--- a/Week 8/wk8_PHYS3116_2025T3_tutorial_slides.pptx
+++ b/Week 8/wk8_PHYS3116_2025T3_tutorial_slides.pptx
@@ -7,16 +7,14 @@
     <p:sldMasterId id="2147483681" r:id="rId6"/>
   </p:sldMasterIdLst>
   <p:notesMasterIdLst>
-    <p:notesMasterId r:id="rId11"/>
+    <p:notesMasterId r:id="rId9"/>
   </p:notesMasterIdLst>
   <p:handoutMasterIdLst>
-    <p:handoutMasterId r:id="rId12"/>
+    <p:handoutMasterId r:id="rId10"/>
   </p:handoutMasterIdLst>
   <p:sldIdLst>
     <p:sldId id="258" r:id="rId7"/>
     <p:sldId id="298" r:id="rId8"/>
-    <p:sldId id="299" r:id="rId9"/>
-    <p:sldId id="300" r:id="rId10"/>
   </p:sldIdLst>
   <p:sldSz cx="12192000" cy="6858000"/>
   <p:notesSz cx="6858000" cy="9144000"/>
@@ -764,222 +762,6 @@
     <p:extLst>
       <p:ext uri="{BB962C8B-B14F-4D97-AF65-F5344CB8AC3E}">
         <p14:creationId xmlns:p14="http://schemas.microsoft.com/office/powerpoint/2010/main" val="1017944994"/>
-      </p:ext>
-    </p:extLst>
-  </p:cSld>
-  <p:clrMapOvr>
-    <a:masterClrMapping/>
-  </p:clrMapOvr>
-</p:notes>
-</file>
-
-<file path=ppt/notesSlides/notesSlide2.xml><?xml version="1.0" encoding="utf-8"?>
-<p:notes xmlns:a="http://schemas.openxmlformats.org/drawingml/2006/main" xmlns:r="http://schemas.openxmlformats.org/officeDocument/2006/relationships" xmlns:p="http://schemas.openxmlformats.org/presentationml/2006/main">
-  <p:cSld>
-    <p:spTree>
-      <p:nvGrpSpPr>
-        <p:cNvPr id="1" name="">
-          <a:extLst>
-            <a:ext uri="{FF2B5EF4-FFF2-40B4-BE49-F238E27FC236}">
-              <a16:creationId xmlns:a16="http://schemas.microsoft.com/office/drawing/2014/main" id="{F9E98613-5FEB-88E1-49CF-A547796E9C2C}"/>
-            </a:ext>
-          </a:extLst>
-        </p:cNvPr>
-        <p:cNvGrpSpPr/>
-        <p:nvPr/>
-      </p:nvGrpSpPr>
-      <p:grpSpPr>
-        <a:xfrm>
-          <a:off x="0" y="0"/>
-          <a:ext cx="0" cy="0"/>
-          <a:chOff x="0" y="0"/>
-          <a:chExt cx="0" cy="0"/>
-        </a:xfrm>
-      </p:grpSpPr>
-      <p:sp>
-        <p:nvSpPr>
-          <p:cNvPr id="2" name="Slide Image Placeholder 1">
-            <a:extLst>
-              <a:ext uri="{FF2B5EF4-FFF2-40B4-BE49-F238E27FC236}">
-                <a16:creationId xmlns:a16="http://schemas.microsoft.com/office/drawing/2014/main" id="{550889AE-60EC-4AFD-8F9A-DD968F0DF495}"/>
-              </a:ext>
-            </a:extLst>
-          </p:cNvPr>
-          <p:cNvSpPr>
-            <a:spLocks noGrp="1" noRot="1" noChangeAspect="1"/>
-          </p:cNvSpPr>
-          <p:nvPr>
-            <p:ph type="sldImg"/>
-          </p:nvPr>
-        </p:nvSpPr>
-        <p:spPr/>
-      </p:sp>
-      <p:sp>
-        <p:nvSpPr>
-          <p:cNvPr id="3" name="Notes Placeholder 2">
-            <a:extLst>
-              <a:ext uri="{FF2B5EF4-FFF2-40B4-BE49-F238E27FC236}">
-                <a16:creationId xmlns:a16="http://schemas.microsoft.com/office/drawing/2014/main" id="{47917004-B03C-7D44-1B68-97DAF812B95B}"/>
-              </a:ext>
-            </a:extLst>
-          </p:cNvPr>
-          <p:cNvSpPr>
-            <a:spLocks noGrp="1"/>
-          </p:cNvSpPr>
-          <p:nvPr>
-            <p:ph type="body" idx="1"/>
-          </p:nvPr>
-        </p:nvSpPr>
-        <p:spPr/>
-        <p:txBody>
-          <a:bodyPr/>
-          <a:lstStyle/>
-          <a:p>
-            <a:endParaRPr lang="en-AU" dirty="0"/>
-          </a:p>
-        </p:txBody>
-      </p:sp>
-      <p:sp>
-        <p:nvSpPr>
-          <p:cNvPr id="4" name="Slide Number Placeholder 3">
-            <a:extLst>
-              <a:ext uri="{FF2B5EF4-FFF2-40B4-BE49-F238E27FC236}">
-                <a16:creationId xmlns:a16="http://schemas.microsoft.com/office/drawing/2014/main" id="{D8F57DDE-0892-9F40-AA27-9788176284AA}"/>
-              </a:ext>
-            </a:extLst>
-          </p:cNvPr>
-          <p:cNvSpPr>
-            <a:spLocks noGrp="1"/>
-          </p:cNvSpPr>
-          <p:nvPr>
-            <p:ph type="sldNum" sz="quarter" idx="5"/>
-          </p:nvPr>
-        </p:nvSpPr>
-        <p:spPr/>
-        <p:txBody>
-          <a:bodyPr/>
-          <a:lstStyle/>
-          <a:p>
-            <a:fld id="{6246ACD0-BE8A-3D4B-8E89-B0E6ACFF594E}" type="slidenum">
-              <a:rPr lang="en-US" smtClean="0"/>
-              <a:t>3</a:t>
-            </a:fld>
-            <a:endParaRPr lang="en-US"/>
-          </a:p>
-        </p:txBody>
-      </p:sp>
-    </p:spTree>
-    <p:extLst>
-      <p:ext uri="{BB962C8B-B14F-4D97-AF65-F5344CB8AC3E}">
-        <p14:creationId xmlns:p14="http://schemas.microsoft.com/office/powerpoint/2010/main" val="2294886678"/>
-      </p:ext>
-    </p:extLst>
-  </p:cSld>
-  <p:clrMapOvr>
-    <a:masterClrMapping/>
-  </p:clrMapOvr>
-</p:notes>
-</file>
-
-<file path=ppt/notesSlides/notesSlide3.xml><?xml version="1.0" encoding="utf-8"?>
-<p:notes xmlns:a="http://schemas.openxmlformats.org/drawingml/2006/main" xmlns:r="http://schemas.openxmlformats.org/officeDocument/2006/relationships" xmlns:p="http://schemas.openxmlformats.org/presentationml/2006/main">
-  <p:cSld>
-    <p:spTree>
-      <p:nvGrpSpPr>
-        <p:cNvPr id="1" name="">
-          <a:extLst>
-            <a:ext uri="{FF2B5EF4-FFF2-40B4-BE49-F238E27FC236}">
-              <a16:creationId xmlns:a16="http://schemas.microsoft.com/office/drawing/2014/main" id="{9ACE6F51-3311-9120-654E-DD57DAD4A39E}"/>
-            </a:ext>
-          </a:extLst>
-        </p:cNvPr>
-        <p:cNvGrpSpPr/>
-        <p:nvPr/>
-      </p:nvGrpSpPr>
-      <p:grpSpPr>
-        <a:xfrm>
-          <a:off x="0" y="0"/>
-          <a:ext cx="0" cy="0"/>
-          <a:chOff x="0" y="0"/>
-          <a:chExt cx="0" cy="0"/>
-        </a:xfrm>
-      </p:grpSpPr>
-      <p:sp>
-        <p:nvSpPr>
-          <p:cNvPr id="2" name="Slide Image Placeholder 1">
-            <a:extLst>
-              <a:ext uri="{FF2B5EF4-FFF2-40B4-BE49-F238E27FC236}">
-                <a16:creationId xmlns:a16="http://schemas.microsoft.com/office/drawing/2014/main" id="{5C2D1989-F40D-008E-886B-EFD2EFA5307F}"/>
-              </a:ext>
-            </a:extLst>
-          </p:cNvPr>
-          <p:cNvSpPr>
-            <a:spLocks noGrp="1" noRot="1" noChangeAspect="1"/>
-          </p:cNvSpPr>
-          <p:nvPr>
-            <p:ph type="sldImg"/>
-          </p:nvPr>
-        </p:nvSpPr>
-        <p:spPr/>
-      </p:sp>
-      <p:sp>
-        <p:nvSpPr>
-          <p:cNvPr id="3" name="Notes Placeholder 2">
-            <a:extLst>
-              <a:ext uri="{FF2B5EF4-FFF2-40B4-BE49-F238E27FC236}">
-                <a16:creationId xmlns:a16="http://schemas.microsoft.com/office/drawing/2014/main" id="{458947F3-B82B-823A-A7C5-24A8BD296B9B}"/>
-              </a:ext>
-            </a:extLst>
-          </p:cNvPr>
-          <p:cNvSpPr>
-            <a:spLocks noGrp="1"/>
-          </p:cNvSpPr>
-          <p:nvPr>
-            <p:ph type="body" idx="1"/>
-          </p:nvPr>
-        </p:nvSpPr>
-        <p:spPr/>
-        <p:txBody>
-          <a:bodyPr/>
-          <a:lstStyle/>
-          <a:p>
-            <a:endParaRPr lang="en-AU" dirty="0"/>
-          </a:p>
-        </p:txBody>
-      </p:sp>
-      <p:sp>
-        <p:nvSpPr>
-          <p:cNvPr id="4" name="Slide Number Placeholder 3">
-            <a:extLst>
-              <a:ext uri="{FF2B5EF4-FFF2-40B4-BE49-F238E27FC236}">
-                <a16:creationId xmlns:a16="http://schemas.microsoft.com/office/drawing/2014/main" id="{44051369-76D2-9EAA-8CA4-86B5424A2EFA}"/>
-              </a:ext>
-            </a:extLst>
-          </p:cNvPr>
-          <p:cNvSpPr>
-            <a:spLocks noGrp="1"/>
-          </p:cNvSpPr>
-          <p:nvPr>
-            <p:ph type="sldNum" sz="quarter" idx="5"/>
-          </p:nvPr>
-        </p:nvSpPr>
-        <p:spPr/>
-        <p:txBody>
-          <a:bodyPr/>
-          <a:lstStyle/>
-          <a:p>
-            <a:fld id="{6246ACD0-BE8A-3D4B-8E89-B0E6ACFF594E}" type="slidenum">
-              <a:rPr lang="en-US" smtClean="0"/>
-              <a:t>4</a:t>
-            </a:fld>
-            <a:endParaRPr lang="en-US"/>
-          </a:p>
-        </p:txBody>
-      </p:sp>
-    </p:spTree>
-    <p:extLst>
-      <p:ext uri="{BB962C8B-B14F-4D97-AF65-F5344CB8AC3E}">
-        <p14:creationId xmlns:p14="http://schemas.microsoft.com/office/powerpoint/2010/main" val="3761329364"/>
       </p:ext>
     </p:extLst>
   </p:cSld>
@@ -8919,8 +8701,8 @@
         </p:nvSpPr>
         <p:spPr>
           <a:xfrm>
-            <a:off x="10017457" y="5380672"/>
-            <a:ext cx="2174543" cy="1477328"/>
+            <a:off x="10017457" y="5657671"/>
+            <a:ext cx="2174543" cy="1200329"/>
           </a:xfrm>
           <a:prstGeom prst="rect">
             <a:avLst/>
@@ -9113,7 +8895,7 @@
             </a:pPr>
             <a:r>
               <a:rPr lang="en-US" dirty="0"/>
-              <a:t>Spectroscopic and photometric redshift</a:t>
+              <a:t>Spectroscopic redshift</a:t>
             </a:r>
           </a:p>
         </p:txBody>
@@ -9286,8 +9068,8 @@
           </a:p>
         </p:txBody>
       </p:sp>
-      <mc:AlternateContent xmlns:mc="http://schemas.openxmlformats.org/markup-compatibility/2006">
-        <mc:Choice xmlns:a14="http://schemas.microsoft.com/office/drawing/2010/main" Requires="a14">
+      <mc:AlternateContent xmlns:mc="http://schemas.openxmlformats.org/markup-compatibility/2006" xmlns:a14="http://schemas.microsoft.com/office/drawing/2010/main">
+        <mc:Choice Requires="a14">
           <p:sp>
             <p:nvSpPr>
               <p:cNvPr id="7" name="Content Placeholder 2">
@@ -9688,7 +9470,7 @@
             </p:txBody>
           </p:sp>
         </mc:Choice>
-        <mc:Fallback>
+        <mc:Fallback xmlns="">
           <p:sp>
             <p:nvSpPr>
               <p:cNvPr id="7" name="Content Placeholder 2">
@@ -9737,1323 +9519,6 @@
     <p:extLst>
       <p:ext uri="{BB962C8B-B14F-4D97-AF65-F5344CB8AC3E}">
         <p14:creationId xmlns:p14="http://schemas.microsoft.com/office/powerpoint/2010/main" val="3485944161"/>
-      </p:ext>
-    </p:extLst>
-  </p:cSld>
-  <p:clrMapOvr>
-    <a:masterClrMapping/>
-  </p:clrMapOvr>
-</p:sld>
-</file>
-
-<file path=ppt/slides/slide3.xml><?xml version="1.0" encoding="utf-8"?>
-<p:sld xmlns:a="http://schemas.openxmlformats.org/drawingml/2006/main" xmlns:r="http://schemas.openxmlformats.org/officeDocument/2006/relationships" xmlns:p="http://schemas.openxmlformats.org/presentationml/2006/main">
-  <p:cSld>
-    <p:spTree>
-      <p:nvGrpSpPr>
-        <p:cNvPr id="1" name="">
-          <a:extLst>
-            <a:ext uri="{FF2B5EF4-FFF2-40B4-BE49-F238E27FC236}">
-              <a16:creationId xmlns:a16="http://schemas.microsoft.com/office/drawing/2014/main" id="{0336DB00-3CCA-883F-B5FB-F0CEFE7363BA}"/>
-            </a:ext>
-          </a:extLst>
-        </p:cNvPr>
-        <p:cNvGrpSpPr/>
-        <p:nvPr/>
-      </p:nvGrpSpPr>
-      <p:grpSpPr>
-        <a:xfrm>
-          <a:off x="0" y="0"/>
-          <a:ext cx="0" cy="0"/>
-          <a:chOff x="0" y="0"/>
-          <a:chExt cx="0" cy="0"/>
-        </a:xfrm>
-      </p:grpSpPr>
-      <p:sp>
-        <p:nvSpPr>
-          <p:cNvPr id="4" name="Title 1">
-            <a:extLst>
-              <a:ext uri="{FF2B5EF4-FFF2-40B4-BE49-F238E27FC236}">
-                <a16:creationId xmlns:a16="http://schemas.microsoft.com/office/drawing/2014/main" id="{262D7492-E3F3-7434-2B56-4AEA37819B11}"/>
-              </a:ext>
-            </a:extLst>
-          </p:cNvPr>
-          <p:cNvSpPr txBox="1">
-            <a:spLocks/>
-          </p:cNvSpPr>
-          <p:nvPr/>
-        </p:nvSpPr>
-        <p:spPr>
-          <a:xfrm>
-            <a:off x="0" y="0"/>
-            <a:ext cx="11353799" cy="972913"/>
-          </a:xfrm>
-          <a:prstGeom prst="rect">
-            <a:avLst/>
-          </a:prstGeom>
-        </p:spPr>
-        <p:txBody>
-          <a:bodyPr vert="horz" wrap="square" lIns="360000" tIns="180000" rIns="360000" bIns="180000" rtlCol="0" anchor="ctr">
-            <a:spAutoFit/>
-          </a:bodyPr>
-          <a:lstStyle>
-            <a:lvl1pPr algn="l" defTabSz="914400" rtl="0" eaLnBrk="1" latinLnBrk="0" hangingPunct="1">
-              <a:lnSpc>
-                <a:spcPct val="90000"/>
-              </a:lnSpc>
-              <a:spcBef>
-                <a:spcPct val="0"/>
-              </a:spcBef>
-              <a:buNone/>
-              <a:defRPr sz="4400" kern="1200">
-                <a:solidFill>
-                  <a:schemeClr val="tx1"/>
-                </a:solidFill>
-                <a:latin typeface="+mj-lt"/>
-                <a:ea typeface="+mj-ea"/>
-                <a:cs typeface="+mj-cs"/>
-              </a:defRPr>
-            </a:lvl1pPr>
-          </a:lstStyle>
-          <a:p>
-            <a:r>
-              <a:rPr lang="en-AU" b="1" dirty="0">
-                <a:solidFill>
-                  <a:schemeClr val="accent6"/>
-                </a:solidFill>
-              </a:rPr>
-              <a:t>Photometric Redshift</a:t>
-            </a:r>
-          </a:p>
-        </p:txBody>
-      </p:sp>
-      <mc:AlternateContent xmlns:mc="http://schemas.openxmlformats.org/markup-compatibility/2006">
-        <mc:Choice xmlns:a14="http://schemas.microsoft.com/office/drawing/2010/main" Requires="a14">
-          <p:sp>
-            <p:nvSpPr>
-              <p:cNvPr id="7" name="Content Placeholder 2">
-                <a:extLst>
-                  <a:ext uri="{FF2B5EF4-FFF2-40B4-BE49-F238E27FC236}">
-                    <a16:creationId xmlns:a16="http://schemas.microsoft.com/office/drawing/2014/main" id="{CFE1854F-A164-A22A-4904-59EC6B2C8BAC}"/>
-                  </a:ext>
-                </a:extLst>
-              </p:cNvPr>
-              <p:cNvSpPr txBox="1">
-                <a:spLocks/>
-              </p:cNvSpPr>
-              <p:nvPr/>
-            </p:nvSpPr>
-            <p:spPr>
-              <a:xfrm>
-                <a:off x="1" y="972913"/>
-                <a:ext cx="11353799" cy="5885087"/>
-              </a:xfrm>
-              <a:prstGeom prst="rect">
-                <a:avLst/>
-              </a:prstGeom>
-            </p:spPr>
-            <p:txBody>
-              <a:bodyPr vert="horz" lIns="360000" tIns="180000" rIns="360000" bIns="180000" rtlCol="0">
-                <a:normAutofit lnSpcReduction="10000"/>
-              </a:bodyPr>
-              <a:lstStyle>
-                <a:lvl1pPr marL="0" indent="0" algn="l" defTabSz="914400" rtl="0" eaLnBrk="1" latinLnBrk="0" hangingPunct="1">
-                  <a:lnSpc>
-                    <a:spcPct val="90000"/>
-                  </a:lnSpc>
-                  <a:spcBef>
-                    <a:spcPts val="1000"/>
-                  </a:spcBef>
-                  <a:buFont typeface="Calibri" panose="020F0502020204030204" pitchFamily="34" charset="0"/>
-                  <a:buChar char="﻿"/>
-                  <a:defRPr sz="2800" kern="1200">
-                    <a:solidFill>
-                      <a:schemeClr val="tx1"/>
-                    </a:solidFill>
-                    <a:latin typeface="+mn-lt"/>
-                    <a:ea typeface="+mn-ea"/>
-                    <a:cs typeface="+mn-cs"/>
-                  </a:defRPr>
-                </a:lvl1pPr>
-                <a:lvl2pPr marL="230400" indent="-228600" algn="l" defTabSz="914400" rtl="0" eaLnBrk="1" latinLnBrk="0" hangingPunct="1">
-                  <a:lnSpc>
-                    <a:spcPct val="90000"/>
-                  </a:lnSpc>
-                  <a:spcBef>
-                    <a:spcPts val="500"/>
-                  </a:spcBef>
-                  <a:buFont typeface="Arial" panose="020B0604020202020204" pitchFamily="34" charset="0"/>
-                  <a:buChar char="•"/>
-                  <a:defRPr sz="2400" kern="1200">
-                    <a:solidFill>
-                      <a:schemeClr val="tx1"/>
-                    </a:solidFill>
-                    <a:latin typeface="+mn-lt"/>
-                    <a:ea typeface="+mn-ea"/>
-                    <a:cs typeface="+mn-cs"/>
-                  </a:defRPr>
-                </a:lvl2pPr>
-                <a:lvl3pPr marL="687600" indent="-228600" algn="l" defTabSz="914400" rtl="0" eaLnBrk="1" latinLnBrk="0" hangingPunct="1">
-                  <a:lnSpc>
-                    <a:spcPct val="90000"/>
-                  </a:lnSpc>
-                  <a:spcBef>
-                    <a:spcPts val="500"/>
-                  </a:spcBef>
-                  <a:buFont typeface="Arial" panose="020B0604020202020204" pitchFamily="34" charset="0"/>
-                  <a:buChar char="•"/>
-                  <a:defRPr sz="2000" kern="1200">
-                    <a:solidFill>
-                      <a:schemeClr val="tx1"/>
-                    </a:solidFill>
-                    <a:latin typeface="+mn-lt"/>
-                    <a:ea typeface="+mn-ea"/>
-                    <a:cs typeface="+mn-cs"/>
-                  </a:defRPr>
-                </a:lvl3pPr>
-                <a:lvl4pPr marL="1144800" indent="-228600" algn="l" defTabSz="914400" rtl="0" eaLnBrk="1" latinLnBrk="0" hangingPunct="1">
-                  <a:lnSpc>
-                    <a:spcPct val="90000"/>
-                  </a:lnSpc>
-                  <a:spcBef>
-                    <a:spcPts val="500"/>
-                  </a:spcBef>
-                  <a:buFont typeface="Arial" panose="020B0604020202020204" pitchFamily="34" charset="0"/>
-                  <a:buChar char="•"/>
-                  <a:defRPr sz="1800" kern="1200">
-                    <a:solidFill>
-                      <a:schemeClr val="tx1"/>
-                    </a:solidFill>
-                    <a:latin typeface="+mn-lt"/>
-                    <a:ea typeface="+mn-ea"/>
-                    <a:cs typeface="+mn-cs"/>
-                  </a:defRPr>
-                </a:lvl4pPr>
-                <a:lvl5pPr marL="1602000" indent="-228600" algn="l" defTabSz="914400" rtl="0" eaLnBrk="1" latinLnBrk="0" hangingPunct="1">
-                  <a:lnSpc>
-                    <a:spcPct val="90000"/>
-                  </a:lnSpc>
-                  <a:spcBef>
-                    <a:spcPts val="500"/>
-                  </a:spcBef>
-                  <a:buFont typeface="Arial" panose="020B0604020202020204" pitchFamily="34" charset="0"/>
-                  <a:buChar char="•"/>
-                  <a:defRPr sz="1800" kern="1200">
-                    <a:solidFill>
-                      <a:schemeClr val="tx1"/>
-                    </a:solidFill>
-                    <a:latin typeface="+mn-lt"/>
-                    <a:ea typeface="+mn-ea"/>
-                    <a:cs typeface="+mn-cs"/>
-                  </a:defRPr>
-                </a:lvl5pPr>
-                <a:lvl6pPr marL="2514600" indent="-228600" algn="l" defTabSz="914400" rtl="0" eaLnBrk="1" latinLnBrk="0" hangingPunct="1">
-                  <a:lnSpc>
-                    <a:spcPct val="90000"/>
-                  </a:lnSpc>
-                  <a:spcBef>
-                    <a:spcPts val="500"/>
-                  </a:spcBef>
-                  <a:buFont typeface="Arial" panose="020B0604020202020204" pitchFamily="34" charset="0"/>
-                  <a:buChar char="•"/>
-                  <a:defRPr sz="1800" kern="1200">
-                    <a:solidFill>
-                      <a:schemeClr val="tx1"/>
-                    </a:solidFill>
-                    <a:latin typeface="+mn-lt"/>
-                    <a:ea typeface="+mn-ea"/>
-                    <a:cs typeface="+mn-cs"/>
-                  </a:defRPr>
-                </a:lvl6pPr>
-                <a:lvl7pPr marL="2971800" indent="-228600" algn="l" defTabSz="914400" rtl="0" eaLnBrk="1" latinLnBrk="0" hangingPunct="1">
-                  <a:lnSpc>
-                    <a:spcPct val="90000"/>
-                  </a:lnSpc>
-                  <a:spcBef>
-                    <a:spcPts val="500"/>
-                  </a:spcBef>
-                  <a:buFont typeface="Arial" panose="020B0604020202020204" pitchFamily="34" charset="0"/>
-                  <a:buChar char="•"/>
-                  <a:defRPr sz="1800" kern="1200">
-                    <a:solidFill>
-                      <a:schemeClr val="tx1"/>
-                    </a:solidFill>
-                    <a:latin typeface="+mn-lt"/>
-                    <a:ea typeface="+mn-ea"/>
-                    <a:cs typeface="+mn-cs"/>
-                  </a:defRPr>
-                </a:lvl7pPr>
-                <a:lvl8pPr marL="3429000" indent="-228600" algn="l" defTabSz="914400" rtl="0" eaLnBrk="1" latinLnBrk="0" hangingPunct="1">
-                  <a:lnSpc>
-                    <a:spcPct val="90000"/>
-                  </a:lnSpc>
-                  <a:spcBef>
-                    <a:spcPts val="500"/>
-                  </a:spcBef>
-                  <a:buFont typeface="Arial" panose="020B0604020202020204" pitchFamily="34" charset="0"/>
-                  <a:buChar char="•"/>
-                  <a:defRPr sz="1800" kern="1200">
-                    <a:solidFill>
-                      <a:schemeClr val="tx1"/>
-                    </a:solidFill>
-                    <a:latin typeface="+mn-lt"/>
-                    <a:ea typeface="+mn-ea"/>
-                    <a:cs typeface="+mn-cs"/>
-                  </a:defRPr>
-                </a:lvl8pPr>
-                <a:lvl9pPr marL="3886200" indent="-228600" algn="l" defTabSz="914400" rtl="0" eaLnBrk="1" latinLnBrk="0" hangingPunct="1">
-                  <a:lnSpc>
-                    <a:spcPct val="90000"/>
-                  </a:lnSpc>
-                  <a:spcBef>
-                    <a:spcPts val="500"/>
-                  </a:spcBef>
-                  <a:buFont typeface="Arial" panose="020B0604020202020204" pitchFamily="34" charset="0"/>
-                  <a:buChar char="•"/>
-                  <a:defRPr sz="1800" kern="1200">
-                    <a:solidFill>
-                      <a:schemeClr val="tx1"/>
-                    </a:solidFill>
-                    <a:latin typeface="+mn-lt"/>
-                    <a:ea typeface="+mn-ea"/>
-                    <a:cs typeface="+mn-cs"/>
-                  </a:defRPr>
-                </a:lvl9pPr>
-              </a:lstStyle>
-              <a:p>
-                <a:pPr marL="457200" indent="-457200">
-                  <a:lnSpc>
-                    <a:spcPct val="120000"/>
-                  </a:lnSpc>
-                  <a:buBlip>
-                    <a:blip r:embed="rId3"/>
-                  </a:buBlip>
-                </a:pPr>
-                <a:r>
-                  <a:rPr lang="en-AU" dirty="0"/>
-                  <a:t>Faster but less accurate than spectroscopic redshift</a:t>
-                </a:r>
-              </a:p>
-              <a:p>
-                <a:pPr marL="457200" indent="-457200">
-                  <a:lnSpc>
-                    <a:spcPct val="120000"/>
-                  </a:lnSpc>
-                  <a:buBlip>
-                    <a:blip r:embed="rId3"/>
-                  </a:buBlip>
-                </a:pPr>
-                <a:r>
-                  <a:rPr lang="en-AU" dirty="0"/>
-                  <a:t>Template fitting to a range of galaxy spectral energy distributions (SEDs)</a:t>
-                </a:r>
-              </a:p>
-              <a:p>
-                <a:pPr marL="687600" lvl="1" indent="-457200">
-                  <a:lnSpc>
-                    <a:spcPct val="120000"/>
-                  </a:lnSpc>
-                  <a:buBlip>
-                    <a:blip r:embed="rId3"/>
-                  </a:buBlip>
-                </a:pPr>
-                <a:r>
-                  <a:rPr lang="en-AU" dirty="0"/>
-                  <a:t>Function of star formation history and the geometric arrangement of stars and gas content in galaxies</a:t>
-                </a:r>
-              </a:p>
-              <a:p>
-                <a:pPr marL="687600" lvl="1" indent="-457200">
-                  <a:lnSpc>
-                    <a:spcPct val="120000"/>
-                  </a:lnSpc>
-                  <a:buBlip>
-                    <a:blip r:embed="rId3"/>
-                  </a:buBlip>
-                </a:pPr>
-                <a:r>
-                  <a:rPr lang="en-AU" dirty="0"/>
-                  <a:t>Energy versus wavelength</a:t>
-                </a:r>
-              </a:p>
-              <a:p>
-                <a:pPr marL="687600" lvl="1" indent="-457200">
-                  <a:lnSpc>
-                    <a:spcPct val="120000"/>
-                  </a:lnSpc>
-                  <a:buBlip>
-                    <a:blip r:embed="rId3"/>
-                  </a:buBlip>
-                </a:pPr>
-                <a:r>
-                  <a:rPr lang="en-AU" dirty="0"/>
-                  <a:t>Fitting flux inputs of an object to a range of known spectra</a:t>
-                </a:r>
-              </a:p>
-              <a:p>
-                <a:pPr marL="687600" lvl="1" indent="-457200">
-                  <a:lnSpc>
-                    <a:spcPct val="120000"/>
-                  </a:lnSpc>
-                  <a:buBlip>
-                    <a:blip r:embed="rId3"/>
-                  </a:buBlip>
-                </a:pPr>
-                <a:r>
-                  <a:rPr lang="en-AU" dirty="0"/>
-                  <a:t>Best fit is determined by a </a:t>
-                </a:r>
-                <a14:m>
-                  <m:oMath xmlns:m="http://schemas.openxmlformats.org/officeDocument/2006/math">
-                    <m:sSup>
-                      <m:sSupPr>
-                        <m:ctrlPr>
-                          <a:rPr lang="en-AU" i="1">
-                            <a:latin typeface="Cambria Math" panose="02040503050406030204" pitchFamily="18" charset="0"/>
-                          </a:rPr>
-                        </m:ctrlPr>
-                      </m:sSupPr>
-                      <m:e>
-                        <m:r>
-                          <a:rPr lang="en-AU" i="1">
-                            <a:latin typeface="Cambria Math" panose="02040503050406030204" pitchFamily="18" charset="0"/>
-                          </a:rPr>
-                          <m:t>𝜒</m:t>
-                        </m:r>
-                      </m:e>
-                      <m:sup>
-                        <m:r>
-                          <a:rPr lang="en-AU" i="1">
-                            <a:latin typeface="Cambria Math" panose="02040503050406030204" pitchFamily="18" charset="0"/>
-                          </a:rPr>
-                          <m:t>2</m:t>
-                        </m:r>
-                      </m:sup>
-                    </m:sSup>
-                  </m:oMath>
-                </a14:m>
-                <a:r>
-                  <a:rPr lang="en-US" dirty="0"/>
-                  <a:t> </a:t>
-                </a:r>
-                <a:r>
-                  <a:rPr lang="en-AU" dirty="0"/>
-                  <a:t>minimisation process</a:t>
-                </a:r>
-              </a:p>
-              <a:p>
-                <a:pPr>
-                  <a:lnSpc>
-                    <a:spcPct val="120000"/>
-                  </a:lnSpc>
-                  <a:buNone/>
-                </a:pPr>
-                <a14:m>
-                  <m:oMathPara xmlns:m="http://schemas.openxmlformats.org/officeDocument/2006/math">
-                    <m:oMathParaPr>
-                      <m:jc m:val="centerGroup"/>
-                    </m:oMathParaPr>
-                    <m:oMath xmlns:m="http://schemas.openxmlformats.org/officeDocument/2006/math">
-                      <m:sSup>
-                        <m:sSupPr>
-                          <m:ctrlPr>
-                            <a:rPr lang="en-AU" i="1">
-                              <a:latin typeface="Cambria Math" panose="02040503050406030204" pitchFamily="18" charset="0"/>
-                            </a:rPr>
-                          </m:ctrlPr>
-                        </m:sSupPr>
-                        <m:e>
-                          <m:r>
-                            <a:rPr lang="en-AU" i="1">
-                              <a:latin typeface="Cambria Math" panose="02040503050406030204" pitchFamily="18" charset="0"/>
-                            </a:rPr>
-                            <m:t>𝜒</m:t>
-                          </m:r>
-                        </m:e>
-                        <m:sup>
-                          <m:r>
-                            <a:rPr lang="en-AU" i="1">
-                              <a:latin typeface="Cambria Math" panose="02040503050406030204" pitchFamily="18" charset="0"/>
-                            </a:rPr>
-                            <m:t>2</m:t>
-                          </m:r>
-                        </m:sup>
-                      </m:sSup>
-                      <m:r>
-                        <a:rPr lang="en-AU" i="1">
-                          <a:latin typeface="Cambria Math" panose="02040503050406030204" pitchFamily="18" charset="0"/>
-                        </a:rPr>
-                        <m:t>=</m:t>
-                      </m:r>
-                      <m:r>
-                        <m:rPr>
-                          <m:sty m:val="p"/>
-                        </m:rPr>
-                        <a:rPr lang="en-AU" i="1">
-                          <a:latin typeface="Cambria Math" panose="02040503050406030204" pitchFamily="18" charset="0"/>
-                        </a:rPr>
-                        <m:t>min</m:t>
-                      </m:r>
-                      <m:d>
-                        <m:dPr>
-                          <m:ctrlPr>
-                            <a:rPr lang="en-AU" i="1">
-                              <a:latin typeface="Cambria Math" panose="02040503050406030204" pitchFamily="18" charset="0"/>
-                            </a:rPr>
-                          </m:ctrlPr>
-                        </m:dPr>
-                        <m:e>
-                          <m:nary>
-                            <m:naryPr>
-                              <m:chr m:val="∑"/>
-                              <m:ctrlPr>
-                                <a:rPr lang="en-AU" i="1">
-                                  <a:latin typeface="Cambria Math" panose="02040503050406030204" pitchFamily="18" charset="0"/>
-                                </a:rPr>
-                              </m:ctrlPr>
-                            </m:naryPr>
-                            <m:sub>
-                              <m:r>
-                                <a:rPr lang="en-AU" i="1">
-                                  <a:latin typeface="Cambria Math" panose="02040503050406030204" pitchFamily="18" charset="0"/>
-                                </a:rPr>
-                                <m:t>𝑖</m:t>
-                              </m:r>
-                            </m:sub>
-                            <m:sup>
-                              <m:r>
-                                <a:rPr lang="en-AU" i="1">
-                                  <a:latin typeface="Cambria Math" panose="02040503050406030204" pitchFamily="18" charset="0"/>
-                                </a:rPr>
-                                <m:t>𝑁</m:t>
-                              </m:r>
-                            </m:sup>
-                            <m:e>
-                              <m:f>
-                                <m:fPr>
-                                  <m:ctrlPr>
-                                    <a:rPr lang="en-AU" i="1">
-                                      <a:latin typeface="Cambria Math" panose="02040503050406030204" pitchFamily="18" charset="0"/>
-                                    </a:rPr>
-                                  </m:ctrlPr>
-                                </m:fPr>
-                                <m:num>
-                                  <m:sSup>
-                                    <m:sSupPr>
-                                      <m:ctrlPr>
-                                        <a:rPr lang="en-AU" i="1">
-                                          <a:latin typeface="Cambria Math" panose="02040503050406030204" pitchFamily="18" charset="0"/>
-                                        </a:rPr>
-                                      </m:ctrlPr>
-                                    </m:sSupPr>
-                                    <m:e>
-                                      <m:d>
-                                        <m:dPr>
-                                          <m:ctrlPr>
-                                            <a:rPr lang="en-AU" i="1">
-                                              <a:latin typeface="Cambria Math" panose="02040503050406030204" pitchFamily="18" charset="0"/>
-                                            </a:rPr>
-                                          </m:ctrlPr>
-                                        </m:dPr>
-                                        <m:e>
-                                          <m:sSub>
-                                            <m:sSubPr>
-                                              <m:ctrlPr>
-                                                <a:rPr lang="en-AU" i="1">
-                                                  <a:latin typeface="Cambria Math" panose="02040503050406030204" pitchFamily="18" charset="0"/>
-                                                </a:rPr>
-                                              </m:ctrlPr>
-                                            </m:sSubPr>
-                                            <m:e>
-                                              <m:r>
-                                                <a:rPr lang="en-AU" i="1">
-                                                  <a:latin typeface="Cambria Math" panose="02040503050406030204" pitchFamily="18" charset="0"/>
-                                                </a:rPr>
-                                                <m:t>𝑂</m:t>
-                                              </m:r>
-                                            </m:e>
-                                            <m:sub>
-                                              <m:r>
-                                                <a:rPr lang="en-AU" i="1">
-                                                  <a:latin typeface="Cambria Math" panose="02040503050406030204" pitchFamily="18" charset="0"/>
-                                                </a:rPr>
-                                                <m:t>𝑖</m:t>
-                                              </m:r>
-                                            </m:sub>
-                                          </m:sSub>
-                                          <m:r>
-                                            <a:rPr lang="en-AU" i="1">
-                                              <a:latin typeface="Cambria Math" panose="02040503050406030204" pitchFamily="18" charset="0"/>
-                                            </a:rPr>
-                                            <m:t>−</m:t>
-                                          </m:r>
-                                          <m:sSub>
-                                            <m:sSubPr>
-                                              <m:ctrlPr>
-                                                <a:rPr lang="en-AU" i="1">
-                                                  <a:latin typeface="Cambria Math" panose="02040503050406030204" pitchFamily="18" charset="0"/>
-                                                </a:rPr>
-                                              </m:ctrlPr>
-                                            </m:sSubPr>
-                                            <m:e>
-                                              <m:r>
-                                                <a:rPr lang="en-AU" i="1">
-                                                  <a:latin typeface="Cambria Math" panose="02040503050406030204" pitchFamily="18" charset="0"/>
-                                                </a:rPr>
-                                                <m:t>𝐸</m:t>
-                                              </m:r>
-                                            </m:e>
-                                            <m:sub>
-                                              <m:r>
-                                                <a:rPr lang="en-AU" i="1">
-                                                  <a:latin typeface="Cambria Math" panose="02040503050406030204" pitchFamily="18" charset="0"/>
-                                                </a:rPr>
-                                                <m:t>𝑖</m:t>
-                                              </m:r>
-                                            </m:sub>
-                                          </m:sSub>
-                                        </m:e>
-                                      </m:d>
-                                    </m:e>
-                                    <m:sup>
-                                      <m:r>
-                                        <a:rPr lang="en-AU" i="1">
-                                          <a:latin typeface="Cambria Math" panose="02040503050406030204" pitchFamily="18" charset="0"/>
-                                        </a:rPr>
-                                        <m:t>2</m:t>
-                                      </m:r>
-                                    </m:sup>
-                                  </m:sSup>
-                                </m:num>
-                                <m:den>
-                                  <m:sSub>
-                                    <m:sSubPr>
-                                      <m:ctrlPr>
-                                        <a:rPr lang="en-AU" i="1">
-                                          <a:latin typeface="Cambria Math" panose="02040503050406030204" pitchFamily="18" charset="0"/>
-                                        </a:rPr>
-                                      </m:ctrlPr>
-                                    </m:sSubPr>
-                                    <m:e>
-                                      <m:r>
-                                        <a:rPr lang="en-AU" i="1">
-                                          <a:latin typeface="Cambria Math" panose="02040503050406030204" pitchFamily="18" charset="0"/>
-                                        </a:rPr>
-                                        <m:t>𝐸</m:t>
-                                      </m:r>
-                                    </m:e>
-                                    <m:sub>
-                                      <m:r>
-                                        <a:rPr lang="en-AU" i="1">
-                                          <a:latin typeface="Cambria Math" panose="02040503050406030204" pitchFamily="18" charset="0"/>
-                                        </a:rPr>
-                                        <m:t>𝑖</m:t>
-                                      </m:r>
-                                    </m:sub>
-                                  </m:sSub>
-                                </m:den>
-                              </m:f>
-                            </m:e>
-                          </m:nary>
-                        </m:e>
-                      </m:d>
-                    </m:oMath>
-                  </m:oMathPara>
-                </a14:m>
-                <a:endParaRPr lang="en-AU" dirty="0"/>
-              </a:p>
-            </p:txBody>
-          </p:sp>
-        </mc:Choice>
-        <mc:Fallback>
-          <p:sp>
-            <p:nvSpPr>
-              <p:cNvPr id="7" name="Content Placeholder 2">
-                <a:extLst>
-                  <a:ext uri="{FF2B5EF4-FFF2-40B4-BE49-F238E27FC236}">
-                    <a16:creationId xmlns:a16="http://schemas.microsoft.com/office/drawing/2014/main" id="{CFE1854F-A164-A22A-4904-59EC6B2C8BAC}"/>
-                  </a:ext>
-                </a:extLst>
-              </p:cNvPr>
-              <p:cNvSpPr txBox="1">
-                <a:spLocks noRot="1" noChangeAspect="1" noMove="1" noResize="1" noEditPoints="1" noAdjustHandles="1" noChangeArrowheads="1" noChangeShapeType="1" noTextEdit="1"/>
-              </p:cNvSpPr>
-              <p:nvPr/>
-            </p:nvSpPr>
-            <p:spPr>
-              <a:xfrm>
-                <a:off x="1" y="972913"/>
-                <a:ext cx="11353799" cy="5885087"/>
-              </a:xfrm>
-              <a:prstGeom prst="rect">
-                <a:avLst/>
-              </a:prstGeom>
-              <a:blipFill>
-                <a:blip r:embed="rId4"/>
-                <a:stretch>
-                  <a:fillRect b="-28448"/>
-                </a:stretch>
-              </a:blipFill>
-            </p:spPr>
-            <p:txBody>
-              <a:bodyPr/>
-              <a:lstStyle/>
-              <a:p>
-                <a:r>
-                  <a:rPr lang="en-AU">
-                    <a:noFill/>
-                  </a:rPr>
-                  <a:t> </a:t>
-                </a:r>
-              </a:p>
-            </p:txBody>
-          </p:sp>
-        </mc:Fallback>
-      </mc:AlternateContent>
-    </p:spTree>
-    <p:extLst>
-      <p:ext uri="{BB962C8B-B14F-4D97-AF65-F5344CB8AC3E}">
-        <p14:creationId xmlns:p14="http://schemas.microsoft.com/office/powerpoint/2010/main" val="3581016164"/>
-      </p:ext>
-    </p:extLst>
-  </p:cSld>
-  <p:clrMapOvr>
-    <a:masterClrMapping/>
-  </p:clrMapOvr>
-</p:sld>
-</file>
-
-<file path=ppt/slides/slide4.xml><?xml version="1.0" encoding="utf-8"?>
-<p:sld xmlns:a="http://schemas.openxmlformats.org/drawingml/2006/main" xmlns:r="http://schemas.openxmlformats.org/officeDocument/2006/relationships" xmlns:p="http://schemas.openxmlformats.org/presentationml/2006/main">
-  <p:cSld>
-    <p:spTree>
-      <p:nvGrpSpPr>
-        <p:cNvPr id="1" name="">
-          <a:extLst>
-            <a:ext uri="{FF2B5EF4-FFF2-40B4-BE49-F238E27FC236}">
-              <a16:creationId xmlns:a16="http://schemas.microsoft.com/office/drawing/2014/main" id="{B6AA82CC-8434-960D-4C92-CD7FAE5FC66C}"/>
-            </a:ext>
-          </a:extLst>
-        </p:cNvPr>
-        <p:cNvGrpSpPr/>
-        <p:nvPr/>
-      </p:nvGrpSpPr>
-      <p:grpSpPr>
-        <a:xfrm>
-          <a:off x="0" y="0"/>
-          <a:ext cx="0" cy="0"/>
-          <a:chOff x="0" y="0"/>
-          <a:chExt cx="0" cy="0"/>
-        </a:xfrm>
-      </p:grpSpPr>
-      <p:sp>
-        <p:nvSpPr>
-          <p:cNvPr id="4" name="Title 1">
-            <a:extLst>
-              <a:ext uri="{FF2B5EF4-FFF2-40B4-BE49-F238E27FC236}">
-                <a16:creationId xmlns:a16="http://schemas.microsoft.com/office/drawing/2014/main" id="{AE89D879-6D85-9AFD-A112-E8EA08383059}"/>
-              </a:ext>
-            </a:extLst>
-          </p:cNvPr>
-          <p:cNvSpPr txBox="1">
-            <a:spLocks/>
-          </p:cNvSpPr>
-          <p:nvPr/>
-        </p:nvSpPr>
-        <p:spPr>
-          <a:xfrm>
-            <a:off x="0" y="0"/>
-            <a:ext cx="11353799" cy="972913"/>
-          </a:xfrm>
-          <a:prstGeom prst="rect">
-            <a:avLst/>
-          </a:prstGeom>
-        </p:spPr>
-        <p:txBody>
-          <a:bodyPr vert="horz" wrap="square" lIns="360000" tIns="180000" rIns="360000" bIns="180000" rtlCol="0" anchor="ctr">
-            <a:spAutoFit/>
-          </a:bodyPr>
-          <a:lstStyle>
-            <a:lvl1pPr algn="l" defTabSz="914400" rtl="0" eaLnBrk="1" latinLnBrk="0" hangingPunct="1">
-              <a:lnSpc>
-                <a:spcPct val="90000"/>
-              </a:lnSpc>
-              <a:spcBef>
-                <a:spcPct val="0"/>
-              </a:spcBef>
-              <a:buNone/>
-              <a:defRPr sz="4400" kern="1200">
-                <a:solidFill>
-                  <a:schemeClr val="tx1"/>
-                </a:solidFill>
-                <a:latin typeface="+mj-lt"/>
-                <a:ea typeface="+mj-ea"/>
-                <a:cs typeface="+mj-cs"/>
-              </a:defRPr>
-            </a:lvl1pPr>
-          </a:lstStyle>
-          <a:p>
-            <a:r>
-              <a:rPr lang="en-AU" b="1" dirty="0">
-                <a:solidFill>
-                  <a:schemeClr val="accent6"/>
-                </a:solidFill>
-              </a:rPr>
-              <a:t>Running EAZY</a:t>
-            </a:r>
-          </a:p>
-        </p:txBody>
-      </p:sp>
-      <mc:AlternateContent xmlns:mc="http://schemas.openxmlformats.org/markup-compatibility/2006">
-        <mc:Choice xmlns:a14="http://schemas.microsoft.com/office/drawing/2010/main" Requires="a14">
-          <p:sp>
-            <p:nvSpPr>
-              <p:cNvPr id="7" name="Content Placeholder 2">
-                <a:extLst>
-                  <a:ext uri="{FF2B5EF4-FFF2-40B4-BE49-F238E27FC236}">
-                    <a16:creationId xmlns:a16="http://schemas.microsoft.com/office/drawing/2014/main" id="{17FEA197-F36E-9DCA-DB25-A23881BB308C}"/>
-                  </a:ext>
-                </a:extLst>
-              </p:cNvPr>
-              <p:cNvSpPr txBox="1">
-                <a:spLocks/>
-              </p:cNvSpPr>
-              <p:nvPr/>
-            </p:nvSpPr>
-            <p:spPr>
-              <a:xfrm>
-                <a:off x="1" y="972913"/>
-                <a:ext cx="11353799" cy="5885087"/>
-              </a:xfrm>
-              <a:prstGeom prst="rect">
-                <a:avLst/>
-              </a:prstGeom>
-            </p:spPr>
-            <p:txBody>
-              <a:bodyPr vert="horz" lIns="360000" tIns="180000" rIns="360000" bIns="180000" rtlCol="0">
-                <a:normAutofit/>
-              </a:bodyPr>
-              <a:lstStyle>
-                <a:lvl1pPr marL="0" indent="0" algn="l" defTabSz="914400" rtl="0" eaLnBrk="1" latinLnBrk="0" hangingPunct="1">
-                  <a:lnSpc>
-                    <a:spcPct val="90000"/>
-                  </a:lnSpc>
-                  <a:spcBef>
-                    <a:spcPts val="1000"/>
-                  </a:spcBef>
-                  <a:buFont typeface="Calibri" panose="020F0502020204030204" pitchFamily="34" charset="0"/>
-                  <a:buChar char="﻿"/>
-                  <a:defRPr sz="2800" kern="1200">
-                    <a:solidFill>
-                      <a:schemeClr val="tx1"/>
-                    </a:solidFill>
-                    <a:latin typeface="+mn-lt"/>
-                    <a:ea typeface="+mn-ea"/>
-                    <a:cs typeface="+mn-cs"/>
-                  </a:defRPr>
-                </a:lvl1pPr>
-                <a:lvl2pPr marL="230400" indent="-228600" algn="l" defTabSz="914400" rtl="0" eaLnBrk="1" latinLnBrk="0" hangingPunct="1">
-                  <a:lnSpc>
-                    <a:spcPct val="90000"/>
-                  </a:lnSpc>
-                  <a:spcBef>
-                    <a:spcPts val="500"/>
-                  </a:spcBef>
-                  <a:buFont typeface="Arial" panose="020B0604020202020204" pitchFamily="34" charset="0"/>
-                  <a:buChar char="•"/>
-                  <a:defRPr sz="2400" kern="1200">
-                    <a:solidFill>
-                      <a:schemeClr val="tx1"/>
-                    </a:solidFill>
-                    <a:latin typeface="+mn-lt"/>
-                    <a:ea typeface="+mn-ea"/>
-                    <a:cs typeface="+mn-cs"/>
-                  </a:defRPr>
-                </a:lvl2pPr>
-                <a:lvl3pPr marL="687600" indent="-228600" algn="l" defTabSz="914400" rtl="0" eaLnBrk="1" latinLnBrk="0" hangingPunct="1">
-                  <a:lnSpc>
-                    <a:spcPct val="90000"/>
-                  </a:lnSpc>
-                  <a:spcBef>
-                    <a:spcPts val="500"/>
-                  </a:spcBef>
-                  <a:buFont typeface="Arial" panose="020B0604020202020204" pitchFamily="34" charset="0"/>
-                  <a:buChar char="•"/>
-                  <a:defRPr sz="2000" kern="1200">
-                    <a:solidFill>
-                      <a:schemeClr val="tx1"/>
-                    </a:solidFill>
-                    <a:latin typeface="+mn-lt"/>
-                    <a:ea typeface="+mn-ea"/>
-                    <a:cs typeface="+mn-cs"/>
-                  </a:defRPr>
-                </a:lvl3pPr>
-                <a:lvl4pPr marL="1144800" indent="-228600" algn="l" defTabSz="914400" rtl="0" eaLnBrk="1" latinLnBrk="0" hangingPunct="1">
-                  <a:lnSpc>
-                    <a:spcPct val="90000"/>
-                  </a:lnSpc>
-                  <a:spcBef>
-                    <a:spcPts val="500"/>
-                  </a:spcBef>
-                  <a:buFont typeface="Arial" panose="020B0604020202020204" pitchFamily="34" charset="0"/>
-                  <a:buChar char="•"/>
-                  <a:defRPr sz="1800" kern="1200">
-                    <a:solidFill>
-                      <a:schemeClr val="tx1"/>
-                    </a:solidFill>
-                    <a:latin typeface="+mn-lt"/>
-                    <a:ea typeface="+mn-ea"/>
-                    <a:cs typeface="+mn-cs"/>
-                  </a:defRPr>
-                </a:lvl4pPr>
-                <a:lvl5pPr marL="1602000" indent="-228600" algn="l" defTabSz="914400" rtl="0" eaLnBrk="1" latinLnBrk="0" hangingPunct="1">
-                  <a:lnSpc>
-                    <a:spcPct val="90000"/>
-                  </a:lnSpc>
-                  <a:spcBef>
-                    <a:spcPts val="500"/>
-                  </a:spcBef>
-                  <a:buFont typeface="Arial" panose="020B0604020202020204" pitchFamily="34" charset="0"/>
-                  <a:buChar char="•"/>
-                  <a:defRPr sz="1800" kern="1200">
-                    <a:solidFill>
-                      <a:schemeClr val="tx1"/>
-                    </a:solidFill>
-                    <a:latin typeface="+mn-lt"/>
-                    <a:ea typeface="+mn-ea"/>
-                    <a:cs typeface="+mn-cs"/>
-                  </a:defRPr>
-                </a:lvl5pPr>
-                <a:lvl6pPr marL="2514600" indent="-228600" algn="l" defTabSz="914400" rtl="0" eaLnBrk="1" latinLnBrk="0" hangingPunct="1">
-                  <a:lnSpc>
-                    <a:spcPct val="90000"/>
-                  </a:lnSpc>
-                  <a:spcBef>
-                    <a:spcPts val="500"/>
-                  </a:spcBef>
-                  <a:buFont typeface="Arial" panose="020B0604020202020204" pitchFamily="34" charset="0"/>
-                  <a:buChar char="•"/>
-                  <a:defRPr sz="1800" kern="1200">
-                    <a:solidFill>
-                      <a:schemeClr val="tx1"/>
-                    </a:solidFill>
-                    <a:latin typeface="+mn-lt"/>
-                    <a:ea typeface="+mn-ea"/>
-                    <a:cs typeface="+mn-cs"/>
-                  </a:defRPr>
-                </a:lvl6pPr>
-                <a:lvl7pPr marL="2971800" indent="-228600" algn="l" defTabSz="914400" rtl="0" eaLnBrk="1" latinLnBrk="0" hangingPunct="1">
-                  <a:lnSpc>
-                    <a:spcPct val="90000"/>
-                  </a:lnSpc>
-                  <a:spcBef>
-                    <a:spcPts val="500"/>
-                  </a:spcBef>
-                  <a:buFont typeface="Arial" panose="020B0604020202020204" pitchFamily="34" charset="0"/>
-                  <a:buChar char="•"/>
-                  <a:defRPr sz="1800" kern="1200">
-                    <a:solidFill>
-                      <a:schemeClr val="tx1"/>
-                    </a:solidFill>
-                    <a:latin typeface="+mn-lt"/>
-                    <a:ea typeface="+mn-ea"/>
-                    <a:cs typeface="+mn-cs"/>
-                  </a:defRPr>
-                </a:lvl7pPr>
-                <a:lvl8pPr marL="3429000" indent="-228600" algn="l" defTabSz="914400" rtl="0" eaLnBrk="1" latinLnBrk="0" hangingPunct="1">
-                  <a:lnSpc>
-                    <a:spcPct val="90000"/>
-                  </a:lnSpc>
-                  <a:spcBef>
-                    <a:spcPts val="500"/>
-                  </a:spcBef>
-                  <a:buFont typeface="Arial" panose="020B0604020202020204" pitchFamily="34" charset="0"/>
-                  <a:buChar char="•"/>
-                  <a:defRPr sz="1800" kern="1200">
-                    <a:solidFill>
-                      <a:schemeClr val="tx1"/>
-                    </a:solidFill>
-                    <a:latin typeface="+mn-lt"/>
-                    <a:ea typeface="+mn-ea"/>
-                    <a:cs typeface="+mn-cs"/>
-                  </a:defRPr>
-                </a:lvl8pPr>
-                <a:lvl9pPr marL="3886200" indent="-228600" algn="l" defTabSz="914400" rtl="0" eaLnBrk="1" latinLnBrk="0" hangingPunct="1">
-                  <a:lnSpc>
-                    <a:spcPct val="90000"/>
-                  </a:lnSpc>
-                  <a:spcBef>
-                    <a:spcPts val="500"/>
-                  </a:spcBef>
-                  <a:buFont typeface="Arial" panose="020B0604020202020204" pitchFamily="34" charset="0"/>
-                  <a:buChar char="•"/>
-                  <a:defRPr sz="1800" kern="1200">
-                    <a:solidFill>
-                      <a:schemeClr val="tx1"/>
-                    </a:solidFill>
-                    <a:latin typeface="+mn-lt"/>
-                    <a:ea typeface="+mn-ea"/>
-                    <a:cs typeface="+mn-cs"/>
-                  </a:defRPr>
-                </a:lvl9pPr>
-              </a:lstStyle>
-              <a:p>
-                <a:pPr marL="457200" indent="-457200">
-                  <a:lnSpc>
-                    <a:spcPct val="120000"/>
-                  </a:lnSpc>
-                  <a:buBlip>
-                    <a:blip r:embed="rId3"/>
-                  </a:buBlip>
-                </a:pPr>
-                <a:r>
-                  <a:rPr lang="en-AU" dirty="0"/>
-                  <a:t>Easy and Accurate </a:t>
-                </a:r>
-                <a14:m>
-                  <m:oMath xmlns:m="http://schemas.openxmlformats.org/officeDocument/2006/math">
-                    <m:sSub>
-                      <m:sSubPr>
-                        <m:ctrlPr>
-                          <a:rPr lang="en-US" i="1" dirty="0">
-                            <a:latin typeface="Cambria Math" panose="02040503050406030204" pitchFamily="18" charset="0"/>
-                          </a:rPr>
-                        </m:ctrlPr>
-                      </m:sSubPr>
-                      <m:e>
-                        <m:r>
-                          <a:rPr lang="en-US" i="1" dirty="0">
-                            <a:latin typeface="Cambria Math" panose="02040503050406030204" pitchFamily="18" charset="0"/>
-                          </a:rPr>
-                          <m:t>𝑧</m:t>
-                        </m:r>
-                      </m:e>
-                      <m:sub>
-                        <m:r>
-                          <a:rPr lang="en-US" i="1" dirty="0">
-                            <a:latin typeface="Cambria Math" panose="02040503050406030204" pitchFamily="18" charset="0"/>
-                          </a:rPr>
-                          <m:t>𝑝h𝑜𝑡</m:t>
-                        </m:r>
-                      </m:sub>
-                    </m:sSub>
-                  </m:oMath>
-                </a14:m>
-                <a:r>
-                  <a:rPr lang="en-AU" dirty="0"/>
-                  <a:t> from Yale</a:t>
-                </a:r>
-              </a:p>
-              <a:p>
-                <a:pPr marL="457200" indent="-457200">
-                  <a:lnSpc>
-                    <a:spcPct val="120000"/>
-                  </a:lnSpc>
-                  <a:buBlip>
-                    <a:blip r:embed="rId3"/>
-                  </a:buBlip>
-                </a:pPr>
-                <a:r>
-                  <a:rPr lang="en-AU" dirty="0"/>
-                  <a:t>Installing </a:t>
-                </a:r>
-                <a:r>
-                  <a:rPr lang="en-AU" dirty="0" err="1"/>
-                  <a:t>eazy-py</a:t>
-                </a:r>
-                <a:endParaRPr lang="en-AU" dirty="0"/>
-              </a:p>
-              <a:p>
-                <a:pPr marL="687600" lvl="1" indent="-457200">
-                  <a:lnSpc>
-                    <a:spcPct val="120000"/>
-                  </a:lnSpc>
-                  <a:buBlip>
-                    <a:blip r:embed="rId3"/>
-                  </a:buBlip>
-                </a:pPr>
-                <a:r>
-                  <a:rPr lang="en-AU" b="1" dirty="0">
-                    <a:solidFill>
-                      <a:schemeClr val="accent3"/>
-                    </a:solidFill>
-                  </a:rPr>
-                  <a:t>cd (directory you want to download into)</a:t>
-                </a:r>
-              </a:p>
-              <a:p>
-                <a:pPr marL="687600" lvl="1" indent="-457200">
-                  <a:lnSpc>
-                    <a:spcPct val="120000"/>
-                  </a:lnSpc>
-                  <a:buBlip>
-                    <a:blip r:embed="rId3"/>
-                  </a:buBlip>
-                </a:pPr>
-                <a:r>
-                  <a:rPr lang="en-AU" b="1" dirty="0">
-                    <a:solidFill>
-                      <a:schemeClr val="accent3"/>
-                    </a:solidFill>
-                  </a:rPr>
-                  <a:t>git clone https://</a:t>
-                </a:r>
-                <a:r>
-                  <a:rPr lang="en-AU" b="1" dirty="0" err="1">
-                    <a:solidFill>
-                      <a:schemeClr val="accent3"/>
-                    </a:solidFill>
-                  </a:rPr>
-                  <a:t>github.com</a:t>
-                </a:r>
-                <a:r>
-                  <a:rPr lang="en-AU" b="1" dirty="0">
-                    <a:solidFill>
-                      <a:schemeClr val="accent3"/>
-                    </a:solidFill>
-                  </a:rPr>
-                  <a:t>/</a:t>
-                </a:r>
-                <a:r>
-                  <a:rPr lang="en-AU" b="1" dirty="0" err="1">
-                    <a:solidFill>
-                      <a:schemeClr val="accent3"/>
-                    </a:solidFill>
-                  </a:rPr>
-                  <a:t>gbrammer</a:t>
-                </a:r>
-                <a:r>
-                  <a:rPr lang="en-AU" b="1" dirty="0">
-                    <a:solidFill>
-                      <a:schemeClr val="accent3"/>
-                    </a:solidFill>
-                  </a:rPr>
-                  <a:t>/</a:t>
-                </a:r>
-                <a:r>
-                  <a:rPr lang="en-AU" b="1" dirty="0" err="1">
-                    <a:solidFill>
-                      <a:schemeClr val="accent3"/>
-                    </a:solidFill>
-                  </a:rPr>
-                  <a:t>eazy-py.git</a:t>
-                </a:r>
-                <a:r>
-                  <a:rPr lang="en-AU" b="1" dirty="0">
-                    <a:solidFill>
-                      <a:schemeClr val="accent3"/>
-                    </a:solidFill>
-                  </a:rPr>
-                  <a:t> </a:t>
-                </a:r>
-              </a:p>
-              <a:p>
-                <a:pPr marL="687600" lvl="1" indent="-457200">
-                  <a:lnSpc>
-                    <a:spcPct val="120000"/>
-                  </a:lnSpc>
-                  <a:buBlip>
-                    <a:blip r:embed="rId3"/>
-                  </a:buBlip>
-                </a:pPr>
-                <a:r>
-                  <a:rPr lang="en-AU" b="1" dirty="0">
-                    <a:solidFill>
-                      <a:schemeClr val="accent3"/>
-                    </a:solidFill>
-                  </a:rPr>
-                  <a:t>cd </a:t>
-                </a:r>
-                <a:r>
-                  <a:rPr lang="en-AU" b="1" dirty="0" err="1">
-                    <a:solidFill>
-                      <a:schemeClr val="accent3"/>
-                    </a:solidFill>
-                  </a:rPr>
-                  <a:t>eazy-py</a:t>
-                </a:r>
-                <a:endParaRPr lang="en-AU" b="1" dirty="0">
-                  <a:solidFill>
-                    <a:schemeClr val="accent3"/>
-                  </a:solidFill>
-                </a:endParaRPr>
-              </a:p>
-              <a:p>
-                <a:pPr marL="687600" lvl="1" indent="-457200">
-                  <a:lnSpc>
-                    <a:spcPct val="120000"/>
-                  </a:lnSpc>
-                  <a:buBlip>
-                    <a:blip r:embed="rId3"/>
-                  </a:buBlip>
-                </a:pPr>
-                <a:r>
-                  <a:rPr lang="en-AU" b="1" dirty="0">
-                    <a:solidFill>
-                      <a:schemeClr val="accent3"/>
-                    </a:solidFill>
-                  </a:rPr>
-                  <a:t>pip install . -r </a:t>
-                </a:r>
-                <a:r>
-                  <a:rPr lang="en-AU" b="1" dirty="0" err="1">
-                    <a:solidFill>
-                      <a:schemeClr val="accent3"/>
-                    </a:solidFill>
-                  </a:rPr>
-                  <a:t>requirements.txt</a:t>
-                </a:r>
-                <a:endParaRPr lang="en-AU" b="1" dirty="0">
-                  <a:solidFill>
-                    <a:schemeClr val="accent3"/>
-                  </a:solidFill>
-                </a:endParaRPr>
-              </a:p>
-              <a:p>
-                <a:pPr marL="457200" indent="-457200">
-                  <a:lnSpc>
-                    <a:spcPct val="120000"/>
-                  </a:lnSpc>
-                  <a:buBlip>
-                    <a:blip r:embed="rId3"/>
-                  </a:buBlip>
-                </a:pPr>
-                <a:r>
-                  <a:rPr lang="en-AU" dirty="0"/>
-                  <a:t>Installing dust attenuation</a:t>
-                </a:r>
-              </a:p>
-              <a:p>
-                <a:pPr marL="687600" lvl="1" indent="-457200">
-                  <a:lnSpc>
-                    <a:spcPct val="120000"/>
-                  </a:lnSpc>
-                  <a:buBlip>
-                    <a:blip r:embed="rId3"/>
-                  </a:buBlip>
-                </a:pPr>
-                <a:r>
-                  <a:rPr lang="en-AU" b="1" dirty="0">
-                    <a:solidFill>
-                      <a:schemeClr val="accent3"/>
-                    </a:solidFill>
-                  </a:rPr>
-                  <a:t>pip install </a:t>
-                </a:r>
-                <a:r>
-                  <a:rPr lang="en-AU" b="1" dirty="0" err="1">
-                    <a:solidFill>
-                      <a:schemeClr val="accent3"/>
-                    </a:solidFill>
-                  </a:rPr>
-                  <a:t>git+https</a:t>
-                </a:r>
-                <a:r>
-                  <a:rPr lang="en-AU" b="1" dirty="0">
-                    <a:solidFill>
-                      <a:schemeClr val="accent3"/>
-                    </a:solidFill>
-                  </a:rPr>
-                  <a:t>://</a:t>
-                </a:r>
-                <a:r>
-                  <a:rPr lang="en-AU" b="1" dirty="0" err="1">
-                    <a:solidFill>
-                      <a:schemeClr val="accent3"/>
-                    </a:solidFill>
-                  </a:rPr>
-                  <a:t>github.com</a:t>
-                </a:r>
-                <a:r>
-                  <a:rPr lang="en-AU" b="1" dirty="0">
-                    <a:solidFill>
-                      <a:schemeClr val="accent3"/>
-                    </a:solidFill>
-                  </a:rPr>
-                  <a:t>/</a:t>
-                </a:r>
-                <a:r>
-                  <a:rPr lang="en-AU" b="1" dirty="0" err="1">
-                    <a:solidFill>
-                      <a:schemeClr val="accent3"/>
-                    </a:solidFill>
-                  </a:rPr>
-                  <a:t>karllark</a:t>
-                </a:r>
-                <a:r>
-                  <a:rPr lang="en-AU" b="1" dirty="0">
-                    <a:solidFill>
-                      <a:schemeClr val="accent3"/>
-                    </a:solidFill>
-                  </a:rPr>
-                  <a:t>/</a:t>
-                </a:r>
-                <a:r>
-                  <a:rPr lang="en-AU" b="1" dirty="0" err="1">
-                    <a:solidFill>
-                      <a:schemeClr val="accent3"/>
-                    </a:solidFill>
-                  </a:rPr>
-                  <a:t>dust_attenuation.git</a:t>
-                </a:r>
-                <a:endParaRPr lang="en-AU" b="1" dirty="0">
-                  <a:solidFill>
-                    <a:schemeClr val="accent3"/>
-                  </a:solidFill>
-                </a:endParaRPr>
-              </a:p>
-            </p:txBody>
-          </p:sp>
-        </mc:Choice>
-        <mc:Fallback>
-          <p:sp>
-            <p:nvSpPr>
-              <p:cNvPr id="7" name="Content Placeholder 2">
-                <a:extLst>
-                  <a:ext uri="{FF2B5EF4-FFF2-40B4-BE49-F238E27FC236}">
-                    <a16:creationId xmlns:a16="http://schemas.microsoft.com/office/drawing/2014/main" id="{17FEA197-F36E-9DCA-DB25-A23881BB308C}"/>
-                  </a:ext>
-                </a:extLst>
-              </p:cNvPr>
-              <p:cNvSpPr txBox="1">
-                <a:spLocks noRot="1" noChangeAspect="1" noMove="1" noResize="1" noEditPoints="1" noAdjustHandles="1" noChangeArrowheads="1" noChangeShapeType="1" noTextEdit="1"/>
-              </p:cNvSpPr>
-              <p:nvPr/>
-            </p:nvSpPr>
-            <p:spPr>
-              <a:xfrm>
-                <a:off x="1" y="972913"/>
-                <a:ext cx="11353799" cy="5885087"/>
-              </a:xfrm>
-              <a:prstGeom prst="rect">
-                <a:avLst/>
-              </a:prstGeom>
-              <a:blipFill>
-                <a:blip r:embed="rId4"/>
-                <a:stretch>
-                  <a:fillRect/>
-                </a:stretch>
-              </a:blipFill>
-            </p:spPr>
-            <p:txBody>
-              <a:bodyPr/>
-              <a:lstStyle/>
-              <a:p>
-                <a:r>
-                  <a:rPr lang="en-AU">
-                    <a:noFill/>
-                  </a:rPr>
-                  <a:t> </a:t>
-                </a:r>
-              </a:p>
-            </p:txBody>
-          </p:sp>
-        </mc:Fallback>
-      </mc:AlternateContent>
-    </p:spTree>
-    <p:extLst>
-      <p:ext uri="{BB962C8B-B14F-4D97-AF65-F5344CB8AC3E}">
-        <p14:creationId xmlns:p14="http://schemas.microsoft.com/office/powerpoint/2010/main" val="1127826485"/>
       </p:ext>
     </p:extLst>
   </p:cSld>
@@ -12257,6 +10722,26 @@
 </file>
 
 <file path=customXml/item1.xml><?xml version="1.0" encoding="utf-8"?>
+<?mso-contentType ?>
+<FormTemplates xmlns="http://schemas.microsoft.com/sharepoint/v3/contenttype/forms">
+  <Display>DocumentLibraryForm</Display>
+  <Edit>DocumentLibraryForm</Edit>
+  <New>DocumentLibraryForm</New>
+</FormTemplates>
+</file>
+
+<file path=customXml/item2.xml><?xml version="1.0" encoding="utf-8"?>
+<p:properties xmlns:p="http://schemas.microsoft.com/office/2006/metadata/properties" xmlns:xsi="http://www.w3.org/2001/XMLSchema-instance" xmlns:pc="http://schemas.microsoft.com/office/infopath/2007/PartnerControls">
+  <documentManagement>
+    <TaxCatchAll xmlns="3d8a2230-54d9-4525-a072-aaf2ad3921af" xsi:nil="true"/>
+    <lcf76f155ced4ddcb4097134ff3c332f xmlns="3e861e5c-b9b4-4f4a-a39d-d4f58c595d50">
+      <Terms xmlns="http://schemas.microsoft.com/office/infopath/2007/PartnerControls"/>
+    </lcf76f155ced4ddcb4097134ff3c332f>
+  </documentManagement>
+</p:properties>
+</file>
+
+<file path=customXml/item3.xml><?xml version="1.0" encoding="utf-8"?>
 <ct:contentTypeSchema xmlns:ct="http://schemas.microsoft.com/office/2006/metadata/contentType" xmlns:ma="http://schemas.microsoft.com/office/2006/metadata/properties/metaAttributes" ct:_="" ma:_="" ma:contentTypeName="Document" ma:contentTypeID="0x010100F4022E11B6C55F458F03297D129AC5C7" ma:contentTypeVersion="16" ma:contentTypeDescription="Create a new document." ma:contentTypeScope="" ma:versionID="c5de254797c2e30b1c1dab67e1fdd087">
   <xsd:schema xmlns:xsd="http://www.w3.org/2001/XMLSchema" xmlns:xs="http://www.w3.org/2001/XMLSchema" xmlns:p="http://schemas.microsoft.com/office/2006/metadata/properties" xmlns:ns2="3e861e5c-b9b4-4f4a-a39d-d4f58c595d50" xmlns:ns3="3d8a2230-54d9-4525-a072-aaf2ad3921af" targetNamespace="http://schemas.microsoft.com/office/2006/metadata/properties" ma:root="true" ma:fieldsID="40d7e893f6517adbc7421dea239a8bfb" ns2:_="" ns3:_="">
     <xsd:import namespace="3e861e5c-b9b4-4f4a-a39d-d4f58c595d50"/>
@@ -12499,27 +10984,26 @@
 </ct:contentTypeSchema>
 </file>
 
-<file path=customXml/item2.xml><?xml version="1.0" encoding="utf-8"?>
-<p:properties xmlns:p="http://schemas.microsoft.com/office/2006/metadata/properties" xmlns:xsi="http://www.w3.org/2001/XMLSchema-instance" xmlns:pc="http://schemas.microsoft.com/office/infopath/2007/PartnerControls">
-  <documentManagement>
-    <TaxCatchAll xmlns="3d8a2230-54d9-4525-a072-aaf2ad3921af" xsi:nil="true"/>
-    <lcf76f155ced4ddcb4097134ff3c332f xmlns="3e861e5c-b9b4-4f4a-a39d-d4f58c595d50">
-      <Terms xmlns="http://schemas.microsoft.com/office/infopath/2007/PartnerControls"/>
-    </lcf76f155ced4ddcb4097134ff3c332f>
-  </documentManagement>
-</p:properties>
+<file path=customXml/itemProps1.xml><?xml version="1.0" encoding="utf-8"?>
+<ds:datastoreItem xmlns:ds="http://schemas.openxmlformats.org/officeDocument/2006/customXml" ds:itemID="{76F36D4B-89AA-43AA-A4F8-41021B539501}">
+  <ds:schemaRefs>
+    <ds:schemaRef ds:uri="http://schemas.microsoft.com/sharepoint/v3/contenttype/forms"/>
+  </ds:schemaRefs>
+</ds:datastoreItem>
 </file>
 
-<file path=customXml/item3.xml><?xml version="1.0" encoding="utf-8"?>
-<?mso-contentType ?>
-<FormTemplates xmlns="http://schemas.microsoft.com/sharepoint/v3/contenttype/forms">
-  <Display>DocumentLibraryForm</Display>
-  <Edit>DocumentLibraryForm</Edit>
-  <New>DocumentLibraryForm</New>
-</FormTemplates>
+<file path=customXml/itemProps2.xml><?xml version="1.0" encoding="utf-8"?>
+<ds:datastoreItem xmlns:ds="http://schemas.openxmlformats.org/officeDocument/2006/customXml" ds:itemID="{B4CE31FE-9010-4DD9-ACBF-74A5EE27FA83}">
+  <ds:schemaRefs>
+    <ds:schemaRef ds:uri="http://schemas.microsoft.com/office/2006/metadata/properties"/>
+    <ds:schemaRef ds:uri="http://schemas.microsoft.com/office/infopath/2007/PartnerControls"/>
+    <ds:schemaRef ds:uri="3d8a2230-54d9-4525-a072-aaf2ad3921af"/>
+    <ds:schemaRef ds:uri="3e861e5c-b9b4-4f4a-a39d-d4f58c595d50"/>
+  </ds:schemaRefs>
+</ds:datastoreItem>
 </file>
 
-<file path=customXml/itemProps1.xml><?xml version="1.0" encoding="utf-8"?>
+<file path=customXml/itemProps3.xml><?xml version="1.0" encoding="utf-8"?>
 <ds:datastoreItem xmlns:ds="http://schemas.openxmlformats.org/officeDocument/2006/customXml" ds:itemID="{3CEC6E53-DE09-48B9-92A5-3EADF1FB2829}">
   <ds:schemaRefs>
     <ds:schemaRef ds:uri="http://schemas.microsoft.com/office/2006/metadata/contentType"/>
@@ -12536,23 +11020,4 @@
     <ds:schemaRef ds:uri="http://schemas.microsoft.com/internal/obd"/>
   </ds:schemaRefs>
 </ds:datastoreItem>
-</file>
-
-<file path=customXml/itemProps2.xml><?xml version="1.0" encoding="utf-8"?>
-<ds:datastoreItem xmlns:ds="http://schemas.openxmlformats.org/officeDocument/2006/customXml" ds:itemID="{B4CE31FE-9010-4DD9-ACBF-74A5EE27FA83}">
-  <ds:schemaRefs>
-    <ds:schemaRef ds:uri="http://schemas.microsoft.com/office/2006/metadata/properties"/>
-    <ds:schemaRef ds:uri="http://schemas.microsoft.com/office/infopath/2007/PartnerControls"/>
-    <ds:schemaRef ds:uri="3d8a2230-54d9-4525-a072-aaf2ad3921af"/>
-    <ds:schemaRef ds:uri="3e861e5c-b9b4-4f4a-a39d-d4f58c595d50"/>
-  </ds:schemaRefs>
-</ds:datastoreItem>
-</file>
-
-<file path=customXml/itemProps3.xml><?xml version="1.0" encoding="utf-8"?>
-<ds:datastoreItem xmlns:ds="http://schemas.openxmlformats.org/officeDocument/2006/customXml" ds:itemID="{76F36D4B-89AA-43AA-A4F8-41021B539501}">
-  <ds:schemaRefs>
-    <ds:schemaRef ds:uri="http://schemas.microsoft.com/sharepoint/v3/contenttype/forms"/>
-  </ds:schemaRefs>
-</ds:datastoreItem>
 </file>